--- a/CSD2a/python_basics/Python1_eindpresentatie.pptx
+++ b/CSD2a/python_basics/Python1_eindpresentatie.pptx
@@ -4191,7 +4191,7 @@
         </p:blipFill>
         <p:spPr>
           <a:xfrm>
-            <a:off x="-1" y="1"/>
+            <a:off x="-4396" y="0"/>
             <a:ext cx="12192001" cy="6857999"/>
           </a:xfrm>
           <a:prstGeom prst="rect">
@@ -4235,20 +4235,12 @@
           <a:lstStyle/>
           <a:p>
             <a:r>
-              <a:rPr lang="en-GB" dirty="0">
-                <a:solidFill>
-                  <a:schemeClr val="bg1"/>
-                </a:solidFill>
-              </a:rPr>
-              <a:t>T</a:t>
-            </a:r>
-            <a:r>
               <a:rPr lang="en-NL" dirty="0">
                 <a:solidFill>
                   <a:schemeClr val="bg1"/>
                 </a:solidFill>
               </a:rPr>
-              <a:t>he R</a:t>
+              <a:t>R</a:t>
             </a:r>
             <a:r>
               <a:rPr lang="en-GB" dirty="0">
@@ -4264,7 +4256,7 @@
                   <a:schemeClr val="bg1"/>
                 </a:solidFill>
               </a:rPr>
-              <a:t>camán drum generator</a:t>
+              <a:t>camán drum computer</a:t>
             </a:r>
           </a:p>
         </p:txBody>
@@ -4682,7 +4674,7 @@
         </p:blipFill>
         <p:spPr>
           <a:xfrm>
-            <a:off x="-1" y="312764"/>
+            <a:off x="-1" y="1"/>
             <a:ext cx="12192001" cy="6857999"/>
           </a:xfrm>
           <a:prstGeom prst="rect">
